--- a/Outputs/Figure 2 Experimental design.pptx
+++ b/Outputs/Figure 2 Experimental design.pptx
@@ -304,7 +304,7 @@
           <a:p>
             <a:fld id="{EA292604-F11B-4C4D-9FD7-9191CB216B3A}" type="datetimeFigureOut">
               <a:rPr lang="nl-NL" smtClean="0"/>
-              <a:t>30-6-2021</a:t>
+              <a:t>4-10-2021</a:t>
             </a:fld>
             <a:endParaRPr lang="nl-NL"/>
           </a:p>
@@ -474,7 +474,7 @@
           <a:p>
             <a:fld id="{EA292604-F11B-4C4D-9FD7-9191CB216B3A}" type="datetimeFigureOut">
               <a:rPr lang="nl-NL" smtClean="0"/>
-              <a:t>30-6-2021</a:t>
+              <a:t>4-10-2021</a:t>
             </a:fld>
             <a:endParaRPr lang="nl-NL"/>
           </a:p>
@@ -654,7 +654,7 @@
           <a:p>
             <a:fld id="{EA292604-F11B-4C4D-9FD7-9191CB216B3A}" type="datetimeFigureOut">
               <a:rPr lang="nl-NL" smtClean="0"/>
-              <a:t>30-6-2021</a:t>
+              <a:t>4-10-2021</a:t>
             </a:fld>
             <a:endParaRPr lang="nl-NL"/>
           </a:p>
@@ -824,7 +824,7 @@
           <a:p>
             <a:fld id="{EA292604-F11B-4C4D-9FD7-9191CB216B3A}" type="datetimeFigureOut">
               <a:rPr lang="nl-NL" smtClean="0"/>
-              <a:t>30-6-2021</a:t>
+              <a:t>4-10-2021</a:t>
             </a:fld>
             <a:endParaRPr lang="nl-NL"/>
           </a:p>
@@ -1070,7 +1070,7 @@
           <a:p>
             <a:fld id="{EA292604-F11B-4C4D-9FD7-9191CB216B3A}" type="datetimeFigureOut">
               <a:rPr lang="nl-NL" smtClean="0"/>
-              <a:t>30-6-2021</a:t>
+              <a:t>4-10-2021</a:t>
             </a:fld>
             <a:endParaRPr lang="nl-NL"/>
           </a:p>
@@ -1358,7 +1358,7 @@
           <a:p>
             <a:fld id="{EA292604-F11B-4C4D-9FD7-9191CB216B3A}" type="datetimeFigureOut">
               <a:rPr lang="nl-NL" smtClean="0"/>
-              <a:t>30-6-2021</a:t>
+              <a:t>4-10-2021</a:t>
             </a:fld>
             <a:endParaRPr lang="nl-NL"/>
           </a:p>
@@ -1780,7 +1780,7 @@
           <a:p>
             <a:fld id="{EA292604-F11B-4C4D-9FD7-9191CB216B3A}" type="datetimeFigureOut">
               <a:rPr lang="nl-NL" smtClean="0"/>
-              <a:t>30-6-2021</a:t>
+              <a:t>4-10-2021</a:t>
             </a:fld>
             <a:endParaRPr lang="nl-NL"/>
           </a:p>
@@ -1898,7 +1898,7 @@
           <a:p>
             <a:fld id="{EA292604-F11B-4C4D-9FD7-9191CB216B3A}" type="datetimeFigureOut">
               <a:rPr lang="nl-NL" smtClean="0"/>
-              <a:t>30-6-2021</a:t>
+              <a:t>4-10-2021</a:t>
             </a:fld>
             <a:endParaRPr lang="nl-NL"/>
           </a:p>
@@ -1993,7 +1993,7 @@
           <a:p>
             <a:fld id="{EA292604-F11B-4C4D-9FD7-9191CB216B3A}" type="datetimeFigureOut">
               <a:rPr lang="nl-NL" smtClean="0"/>
-              <a:t>30-6-2021</a:t>
+              <a:t>4-10-2021</a:t>
             </a:fld>
             <a:endParaRPr lang="nl-NL"/>
           </a:p>
@@ -2270,7 +2270,7 @@
           <a:p>
             <a:fld id="{EA292604-F11B-4C4D-9FD7-9191CB216B3A}" type="datetimeFigureOut">
               <a:rPr lang="nl-NL" smtClean="0"/>
-              <a:t>30-6-2021</a:t>
+              <a:t>4-10-2021</a:t>
             </a:fld>
             <a:endParaRPr lang="nl-NL"/>
           </a:p>
@@ -2523,7 +2523,7 @@
           <a:p>
             <a:fld id="{EA292604-F11B-4C4D-9FD7-9191CB216B3A}" type="datetimeFigureOut">
               <a:rPr lang="nl-NL" smtClean="0"/>
-              <a:t>30-6-2021</a:t>
+              <a:t>4-10-2021</a:t>
             </a:fld>
             <a:endParaRPr lang="nl-NL"/>
           </a:p>
@@ -2736,7 +2736,7 @@
           <a:p>
             <a:fld id="{EA292604-F11B-4C4D-9FD7-9191CB216B3A}" type="datetimeFigureOut">
               <a:rPr lang="nl-NL" smtClean="0"/>
-              <a:t>30-6-2021</a:t>
+              <a:t>4-10-2021</a:t>
             </a:fld>
             <a:endParaRPr lang="nl-NL"/>
           </a:p>
@@ -3256,7 +3256,7 @@
                   <a:latin typeface="Arial" panose="020B0604020202020204" pitchFamily="34" charset="0"/>
                   <a:cs typeface="Arial" panose="020B0604020202020204" pitchFamily="34" charset="0"/>
                 </a:rPr>
-                <a:t>Body size-traits measured</a:t>
+                <a:t>Body size traits measured</a:t>
               </a:r>
               <a:endParaRPr lang="en-US" sz="1200" dirty="0">
                 <a:solidFill>
